--- a/elasticsearch/DCE_Hackathon_Oscar.pptx
+++ b/elasticsearch/DCE_Hackathon_Oscar.pptx
@@ -8,19 +8,20 @@
     <p:sldMasterId id="2147483725" r:id="rId4"/>
   </p:sldMasterIdLst>
   <p:notesMasterIdLst>
-    <p:notesMasterId r:id="rId15"/>
+    <p:notesMasterId r:id="rId16"/>
   </p:notesMasterIdLst>
   <p:sldIdLst>
     <p:sldId id="256" r:id="rId5"/>
     <p:sldId id="275" r:id="rId6"/>
     <p:sldId id="303" r:id="rId7"/>
     <p:sldId id="304" r:id="rId8"/>
-    <p:sldId id="305" r:id="rId9"/>
-    <p:sldId id="261" r:id="rId10"/>
-    <p:sldId id="262" r:id="rId11"/>
-    <p:sldId id="263" r:id="rId12"/>
-    <p:sldId id="264" r:id="rId13"/>
+    <p:sldId id="307" r:id="rId9"/>
+    <p:sldId id="305" r:id="rId10"/>
+    <p:sldId id="261" r:id="rId11"/>
+    <p:sldId id="306" r:id="rId12"/>
+    <p:sldId id="262" r:id="rId13"/>
     <p:sldId id="278" r:id="rId14"/>
+    <p:sldId id="308" r:id="rId15"/>
   </p:sldIdLst>
   <p:sldSz cx="12192000" cy="6858000"/>
   <p:notesSz cx="6858000" cy="9144000"/>
@@ -209,7 +210,7 @@
           <a:p>
             <a:fld id="{83E6ED7A-D139-43E5-8E65-9D6934A164D9}" type="datetimeFigureOut">
               <a:rPr lang="en-US" smtClean="0"/>
-              <a:t>11/12/2019</a:t>
+              <a:t>11/14/2019</a:t>
             </a:fld>
             <a:endParaRPr lang="en-US"/>
           </a:p>
@@ -903,7 +904,7 @@
                 </a:spcAft>
                 <a:defRPr/>
               </a:pPr>
-              <a:t>6</a:t>
+              <a:t>5</a:t>
             </a:fld>
             <a:endParaRPr lang="en-US" sz="800" dirty="0">
               <a:solidFill>
@@ -917,7 +918,7 @@
     </p:spTree>
     <p:extLst>
       <p:ext uri="{BB962C8B-B14F-4D97-AF65-F5344CB8AC3E}">
-        <p14:creationId xmlns:p14="http://schemas.microsoft.com/office/powerpoint/2010/main" val="4013198095"/>
+        <p14:creationId xmlns:p14="http://schemas.microsoft.com/office/powerpoint/2010/main" val="867119620"/>
       </p:ext>
     </p:extLst>
   </p:cSld>
@@ -1020,7 +1021,7 @@
                 </a:spcAft>
                 <a:defRPr/>
               </a:pPr>
-              <a:t>8</a:t>
+              <a:t>7</a:t>
             </a:fld>
             <a:endParaRPr lang="en-US" sz="800" dirty="0">
               <a:solidFill>
@@ -1034,7 +1035,7 @@
     </p:spTree>
     <p:extLst>
       <p:ext uri="{BB962C8B-B14F-4D97-AF65-F5344CB8AC3E}">
-        <p14:creationId xmlns:p14="http://schemas.microsoft.com/office/powerpoint/2010/main" val="1723822838"/>
+        <p14:creationId xmlns:p14="http://schemas.microsoft.com/office/powerpoint/2010/main" val="4013198095"/>
       </p:ext>
     </p:extLst>
   </p:cSld>
@@ -1137,7 +1138,7 @@
                 </a:spcAft>
                 <a:defRPr/>
               </a:pPr>
-              <a:t>9</a:t>
+              <a:t>8</a:t>
             </a:fld>
             <a:endParaRPr lang="en-US" sz="800" dirty="0">
               <a:solidFill>
@@ -1151,7 +1152,7 @@
     </p:spTree>
     <p:extLst>
       <p:ext uri="{BB962C8B-B14F-4D97-AF65-F5344CB8AC3E}">
-        <p14:creationId xmlns:p14="http://schemas.microsoft.com/office/powerpoint/2010/main" val="1242005169"/>
+        <p14:creationId xmlns:p14="http://schemas.microsoft.com/office/powerpoint/2010/main" val="2808787288"/>
       </p:ext>
     </p:extLst>
   </p:cSld>
@@ -1269,6 +1270,123 @@
     <p:extLst>
       <p:ext uri="{BB962C8B-B14F-4D97-AF65-F5344CB8AC3E}">
         <p14:creationId xmlns:p14="http://schemas.microsoft.com/office/powerpoint/2010/main" val="3645472330"/>
+      </p:ext>
+    </p:extLst>
+  </p:cSld>
+  <p:clrMapOvr>
+    <a:masterClrMapping/>
+  </p:clrMapOvr>
+</p:notes>
+</file>
+
+<file path=ppt/notesSlides/notesSlide8.xml><?xml version="1.0" encoding="utf-8"?>
+<p:notes xmlns:a="http://schemas.openxmlformats.org/drawingml/2006/main" xmlns:r="http://schemas.openxmlformats.org/officeDocument/2006/relationships" xmlns:p="http://schemas.openxmlformats.org/presentationml/2006/main">
+  <p:cSld>
+    <p:spTree>
+      <p:nvGrpSpPr>
+        <p:cNvPr id="1" name=""/>
+        <p:cNvGrpSpPr/>
+        <p:nvPr/>
+      </p:nvGrpSpPr>
+      <p:grpSpPr>
+        <a:xfrm>
+          <a:off x="0" y="0"/>
+          <a:ext cx="0" cy="0"/>
+          <a:chOff x="0" y="0"/>
+          <a:chExt cx="0" cy="0"/>
+        </a:xfrm>
+      </p:grpSpPr>
+      <p:sp>
+        <p:nvSpPr>
+          <p:cNvPr id="2" name="Slide Image Placeholder 1"/>
+          <p:cNvSpPr>
+            <a:spLocks noGrp="1" noRot="1" noChangeAspect="1"/>
+          </p:cNvSpPr>
+          <p:nvPr>
+            <p:ph type="sldImg"/>
+          </p:nvPr>
+        </p:nvSpPr>
+        <p:spPr>
+          <a:xfrm>
+            <a:off x="485775" y="384175"/>
+            <a:ext cx="6040438" cy="3398838"/>
+          </a:xfrm>
+        </p:spPr>
+      </p:sp>
+      <p:sp>
+        <p:nvSpPr>
+          <p:cNvPr id="3" name="Notes Placeholder 2"/>
+          <p:cNvSpPr>
+            <a:spLocks noGrp="1"/>
+          </p:cNvSpPr>
+          <p:nvPr>
+            <p:ph type="body" idx="1"/>
+          </p:nvPr>
+        </p:nvSpPr>
+        <p:spPr/>
+        <p:txBody>
+          <a:bodyPr/>
+          <a:lstStyle/>
+          <a:p>
+            <a:endParaRPr lang="en-US" dirty="0"/>
+          </a:p>
+        </p:txBody>
+      </p:sp>
+      <p:sp>
+        <p:nvSpPr>
+          <p:cNvPr id="4" name="Slide Number Placeholder 3"/>
+          <p:cNvSpPr>
+            <a:spLocks noGrp="1"/>
+          </p:cNvSpPr>
+          <p:nvPr>
+            <p:ph type="sldNum" sz="quarter" idx="10"/>
+          </p:nvPr>
+        </p:nvSpPr>
+        <p:spPr/>
+        <p:txBody>
+          <a:bodyPr/>
+          <a:lstStyle/>
+          <a:p>
+            <a:pPr algn="l" fontAlgn="base">
+              <a:spcBef>
+                <a:spcPct val="0"/>
+              </a:spcBef>
+              <a:spcAft>
+                <a:spcPct val="0"/>
+              </a:spcAft>
+              <a:defRPr/>
+            </a:pPr>
+            <a:fld id="{AC8DF440-AC1E-4EB3-BCAA-2AAB8924A793}" type="slidenum">
+              <a:rPr lang="en-US" sz="800" smtClean="0">
+                <a:solidFill>
+                  <a:srgbClr val="444444"/>
+                </a:solidFill>
+                <a:latin typeface="Arial"/>
+              </a:rPr>
+              <a:pPr algn="l" fontAlgn="base">
+                <a:spcBef>
+                  <a:spcPct val="0"/>
+                </a:spcBef>
+                <a:spcAft>
+                  <a:spcPct val="0"/>
+                </a:spcAft>
+                <a:defRPr/>
+              </a:pPr>
+              <a:t>11</a:t>
+            </a:fld>
+            <a:endParaRPr lang="en-US" sz="800" dirty="0">
+              <a:solidFill>
+                <a:srgbClr val="444444"/>
+              </a:solidFill>
+              <a:latin typeface="Arial"/>
+            </a:endParaRPr>
+          </a:p>
+        </p:txBody>
+      </p:sp>
+    </p:spTree>
+    <p:extLst>
+      <p:ext uri="{BB962C8B-B14F-4D97-AF65-F5344CB8AC3E}">
+        <p14:creationId xmlns:p14="http://schemas.microsoft.com/office/powerpoint/2010/main" val="3133687508"/>
       </p:ext>
     </p:extLst>
   </p:cSld>
@@ -13125,7 +13243,7 @@
                   <a:srgbClr val="007DB8"/>
                 </a:buClr>
               </a:pPr>
-              <a:t>11/12/2019</a:t>
+              <a:t>11/14/2019</a:t>
             </a:fld>
             <a:endParaRPr lang="en-US" sz="1200" dirty="0">
               <a:solidFill>
@@ -13191,7 +13309,7 @@
                   <a:srgbClr val="007DB8"/>
                 </a:buClr>
               </a:pPr>
-              <a:t>11/12/2019</a:t>
+              <a:t>11/14/2019</a:t>
             </a:fld>
             <a:endParaRPr lang="en-US" sz="1200" dirty="0">
               <a:solidFill>
@@ -14150,7 +14268,7 @@
                   <a:srgbClr val="000000"/>
                 </a:buClr>
               </a:pPr>
-              <a:t>11/12/2019</a:t>
+              <a:t>11/14/2019</a:t>
             </a:fld>
             <a:endParaRPr lang="en-US" sz="1200" dirty="0">
               <a:solidFill>
@@ -14216,7 +14334,7 @@
                   <a:srgbClr val="000000"/>
                 </a:buClr>
               </a:pPr>
-              <a:t>11/12/2019</a:t>
+              <a:t>11/14/2019</a:t>
             </a:fld>
             <a:endParaRPr lang="en-US" sz="1200" dirty="0">
               <a:solidFill>
@@ -14917,7 +15035,7 @@
                   <a:srgbClr val="007DB8"/>
                 </a:buClr>
               </a:pPr>
-              <a:t>11/12/2019</a:t>
+              <a:t>11/14/2019</a:t>
             </a:fld>
             <a:endParaRPr lang="en-US" sz="1200" dirty="0">
               <a:solidFill>
@@ -14983,7 +15101,7 @@
                   <a:srgbClr val="007DB8"/>
                 </a:buClr>
               </a:pPr>
-              <a:t>11/12/2019</a:t>
+              <a:t>11/14/2019</a:t>
             </a:fld>
             <a:endParaRPr lang="en-US" sz="1200" dirty="0">
               <a:solidFill>
@@ -15777,7 +15895,7 @@
                   <a:srgbClr val="007DB8"/>
                 </a:buClr>
               </a:pPr>
-              <a:t>11/12/2019</a:t>
+              <a:t>11/14/2019</a:t>
             </a:fld>
             <a:endParaRPr lang="en-US" sz="1200" dirty="0">
               <a:solidFill>
@@ -15843,7 +15961,7 @@
                   <a:srgbClr val="007DB8"/>
                 </a:buClr>
               </a:pPr>
-              <a:t>11/12/2019</a:t>
+              <a:t>11/14/2019</a:t>
             </a:fld>
             <a:endParaRPr lang="en-US" sz="1200" dirty="0">
               <a:solidFill>
@@ -16959,19 +17077,57 @@
       </p:grpSpPr>
       <p:sp>
         <p:nvSpPr>
+          <p:cNvPr id="3" name="Title 2">
+            <a:extLst>
+              <a:ext uri="{FF2B5EF4-FFF2-40B4-BE49-F238E27FC236}">
+                <a16:creationId xmlns:a16="http://schemas.microsoft.com/office/drawing/2014/main" id="{2EDD6235-A89E-41F8-A155-91B60FD3523F}"/>
+              </a:ext>
+            </a:extLst>
+          </p:cNvPr>
+          <p:cNvSpPr>
+            <a:spLocks noGrp="1"/>
+          </p:cNvSpPr>
+          <p:nvPr>
+            <p:ph type="title"/>
+          </p:nvPr>
+        </p:nvSpPr>
+        <p:spPr>
+          <a:xfrm>
+            <a:off x="6709145" y="2809380"/>
+            <a:ext cx="4501094" cy="1789200"/>
+          </a:xfrm>
+        </p:spPr>
+        <p:txBody>
+          <a:bodyPr>
+            <a:normAutofit fontScale="90000"/>
+          </a:bodyPr>
+          <a:lstStyle/>
+          <a:p>
+            <a:r>
+              <a:rPr lang="en-US" dirty="0"/>
+              <a:t>Questions?</a:t>
+            </a:r>
+          </a:p>
+        </p:txBody>
+      </p:sp>
+      <p:sp>
+        <p:nvSpPr>
           <p:cNvPr id="2" name="Content Placeholder 1"/>
           <p:cNvSpPr>
             <a:spLocks noGrp="1"/>
           </p:cNvSpPr>
           <p:nvPr>
-            <p:ph sz="quarter" idx="10"/>
+            <p:ph sz="quarter" idx="4294967295"/>
           </p:nvPr>
         </p:nvSpPr>
         <p:spPr>
           <a:xfrm>
-            <a:off x="220009" y="2275840"/>
-            <a:ext cx="8375351" cy="3879427"/>
-          </a:xfrm>
+            <a:off x="0" y="2276475"/>
+            <a:ext cx="8374063" cy="3878263"/>
+          </a:xfrm>
+          <a:prstGeom prst="rect">
+            <a:avLst/>
+          </a:prstGeom>
         </p:spPr>
         <p:txBody>
           <a:bodyPr>
@@ -17001,44 +17157,198 @@
           </a:p>
         </p:txBody>
       </p:sp>
-      <p:pic>
-        <p:nvPicPr>
-          <p:cNvPr id="7" name="Picture 6" descr="A close up of a logo&#10;&#10;Description generated with very high confidence">
-            <a:extLst>
-              <a:ext uri="{FF2B5EF4-FFF2-40B4-BE49-F238E27FC236}">
-                <a16:creationId xmlns:a16="http://schemas.microsoft.com/office/drawing/2014/main" id="{EEDF8DCC-25FE-4BDC-8BC7-B037DAFF6FE3}"/>
-              </a:ext>
-            </a:extLst>
-          </p:cNvPr>
-          <p:cNvPicPr/>
-          <p:nvPr/>
-        </p:nvPicPr>
-        <p:blipFill>
-          <a:blip r:embed="rId3" cstate="print">
-            <a:extLst>
-              <a:ext uri="{28A0092B-C50C-407E-A947-70E740481C1C}">
-                <a14:useLocalDpi xmlns:a14="http://schemas.microsoft.com/office/drawing/2010/main" val="0"/>
-              </a:ext>
-            </a:extLst>
-          </a:blip>
-          <a:stretch>
-            <a:fillRect/>
-          </a:stretch>
-        </p:blipFill>
-        <p:spPr>
-          <a:xfrm>
-            <a:off x="3322320" y="2231813"/>
-            <a:ext cx="5192638" cy="1983740"/>
-          </a:xfrm>
-          <a:prstGeom prst="rect">
-            <a:avLst/>
-          </a:prstGeom>
-        </p:spPr>
-      </p:pic>
     </p:spTree>
     <p:extLst>
       <p:ext uri="{BB962C8B-B14F-4D97-AF65-F5344CB8AC3E}">
         <p14:creationId xmlns:p14="http://schemas.microsoft.com/office/powerpoint/2010/main" val="1371062172"/>
+      </p:ext>
+    </p:extLst>
+  </p:cSld>
+  <p:clrMapOvr>
+    <a:masterClrMapping/>
+  </p:clrMapOvr>
+  <p:transition spd="med">
+    <p:wipe dir="r"/>
+  </p:transition>
+</p:sld>
+</file>
+
+<file path=ppt/slides/slide11.xml><?xml version="1.0" encoding="utf-8"?>
+<p:sld xmlns:a="http://schemas.openxmlformats.org/drawingml/2006/main" xmlns:r="http://schemas.openxmlformats.org/officeDocument/2006/relationships" xmlns:p="http://schemas.openxmlformats.org/presentationml/2006/main">
+  <p:cSld>
+    <p:spTree>
+      <p:nvGrpSpPr>
+        <p:cNvPr id="1" name=""/>
+        <p:cNvGrpSpPr/>
+        <p:nvPr/>
+      </p:nvGrpSpPr>
+      <p:grpSpPr>
+        <a:xfrm>
+          <a:off x="0" y="0"/>
+          <a:ext cx="0" cy="0"/>
+          <a:chOff x="0" y="0"/>
+          <a:chExt cx="0" cy="0"/>
+        </a:xfrm>
+      </p:grpSpPr>
+      <p:sp>
+        <p:nvSpPr>
+          <p:cNvPr id="2" name="Content Placeholder 1"/>
+          <p:cNvSpPr>
+            <a:spLocks noGrp="1"/>
+          </p:cNvSpPr>
+          <p:nvPr>
+            <p:ph sz="quarter" idx="4294967295"/>
+          </p:nvPr>
+        </p:nvSpPr>
+        <p:spPr>
+          <a:xfrm>
+            <a:off x="0" y="1703388"/>
+            <a:ext cx="10610850" cy="4257675"/>
+          </a:xfrm>
+          <a:prstGeom prst="rect">
+            <a:avLst/>
+          </a:prstGeom>
+        </p:spPr>
+        <p:txBody>
+          <a:bodyPr>
+            <a:normAutofit/>
+          </a:bodyPr>
+          <a:lstStyle/>
+          <a:p>
+            <a:endParaRPr lang="en-US" sz="2400" dirty="0">
+              <a:solidFill>
+                <a:schemeClr val="tx1"/>
+              </a:solidFill>
+            </a:endParaRPr>
+          </a:p>
+          <a:p>
+            <a:endParaRPr lang="en-US" sz="2400" dirty="0">
+              <a:solidFill>
+                <a:schemeClr val="tx1"/>
+              </a:solidFill>
+            </a:endParaRPr>
+          </a:p>
+          <a:p>
+            <a:endParaRPr lang="en-US" sz="2400" dirty="0">
+              <a:solidFill>
+                <a:schemeClr val="tx1"/>
+              </a:solidFill>
+            </a:endParaRPr>
+          </a:p>
+        </p:txBody>
+      </p:sp>
+      <p:sp>
+        <p:nvSpPr>
+          <p:cNvPr id="3" name="TextBox 2">
+            <a:extLst>
+              <a:ext uri="{FF2B5EF4-FFF2-40B4-BE49-F238E27FC236}">
+                <a16:creationId xmlns:a16="http://schemas.microsoft.com/office/drawing/2014/main" id="{F2841F9C-A2CC-43EF-BABF-6DB55D1B20D1}"/>
+              </a:ext>
+            </a:extLst>
+          </p:cNvPr>
+          <p:cNvSpPr txBox="1"/>
+          <p:nvPr/>
+        </p:nvSpPr>
+        <p:spPr>
+          <a:xfrm>
+            <a:off x="3721395" y="2589021"/>
+            <a:ext cx="4140877" cy="1107996"/>
+          </a:xfrm>
+          <a:prstGeom prst="rect">
+            <a:avLst/>
+          </a:prstGeom>
+          <a:noFill/>
+        </p:spPr>
+        <p:txBody>
+          <a:bodyPr wrap="none" rtlCol="0">
+            <a:spAutoFit/>
+          </a:bodyPr>
+          <a:lstStyle/>
+          <a:p>
+            <a:pPr>
+              <a:spcBef>
+                <a:spcPts val="0"/>
+              </a:spcBef>
+              <a:spcAft>
+                <a:spcPts val="0"/>
+              </a:spcAft>
+              <a:buClr>
+                <a:schemeClr val="bg1"/>
+              </a:buClr>
+            </a:pPr>
+            <a:r>
+              <a:rPr lang="en-US" sz="6600" dirty="0">
+                <a:solidFill>
+                  <a:srgbClr val="0070C0"/>
+                </a:solidFill>
+                <a:latin typeface="Arial" panose="020B0604020202020204" pitchFamily="34" charset="0"/>
+                <a:cs typeface="Arial" panose="020B0604020202020204" pitchFamily="34" charset="0"/>
+              </a:rPr>
+              <a:t>Thank you</a:t>
+            </a:r>
+          </a:p>
+        </p:txBody>
+      </p:sp>
+      <p:sp>
+        <p:nvSpPr>
+          <p:cNvPr id="6" name="Rectangle 5">
+            <a:extLst>
+              <a:ext uri="{FF2B5EF4-FFF2-40B4-BE49-F238E27FC236}">
+                <a16:creationId xmlns:a16="http://schemas.microsoft.com/office/drawing/2014/main" id="{F948C9FB-7935-4499-B0C7-50C99071F953}"/>
+              </a:ext>
+            </a:extLst>
+          </p:cNvPr>
+          <p:cNvSpPr/>
+          <p:nvPr/>
+        </p:nvSpPr>
+        <p:spPr>
+          <a:xfrm>
+            <a:off x="71120" y="5466080"/>
+            <a:ext cx="1259840" cy="1310640"/>
+          </a:xfrm>
+          <a:prstGeom prst="rect">
+            <a:avLst/>
+          </a:prstGeom>
+          <a:solidFill>
+            <a:schemeClr val="tx2"/>
+          </a:solidFill>
+          <a:ln w="12700" cmpd="sng">
+            <a:solidFill>
+              <a:schemeClr val="tx2"/>
+            </a:solidFill>
+          </a:ln>
+          <a:effectLst/>
+        </p:spPr>
+        <p:txBody>
+          <a:bodyPr wrap="square" lIns="182880" tIns="137160" rIns="137160" bIns="137160" rtlCol="0" anchor="ctr">
+            <a:noAutofit/>
+          </a:bodyPr>
+          <a:lstStyle/>
+          <a:p>
+            <a:pPr algn="ctr">
+              <a:lnSpc>
+                <a:spcPct val="90000"/>
+              </a:lnSpc>
+              <a:spcBef>
+                <a:spcPts val="600"/>
+              </a:spcBef>
+              <a:spcAft>
+                <a:spcPts val="0"/>
+              </a:spcAft>
+            </a:pPr>
+            <a:endParaRPr lang="en-US" sz="2000" dirty="0" err="1">
+              <a:solidFill>
+                <a:schemeClr val="tx2"/>
+              </a:solidFill>
+              <a:latin typeface="+mn-lt"/>
+            </a:endParaRPr>
+          </a:p>
+        </p:txBody>
+      </p:sp>
+    </p:spTree>
+    <p:extLst>
+      <p:ext uri="{BB962C8B-B14F-4D97-AF65-F5344CB8AC3E}">
+        <p14:creationId xmlns:p14="http://schemas.microsoft.com/office/powerpoint/2010/main" val="1493227803"/>
       </p:ext>
     </p:extLst>
   </p:cSld>
@@ -17295,6 +17605,10 @@
           </p:nvPr>
         </p:nvSpPr>
         <p:spPr>
+          <a:xfrm>
+            <a:off x="436879" y="2252559"/>
+            <a:ext cx="10610849" cy="1994322"/>
+          </a:xfrm>
           <a:prstGeom prst="rect">
             <a:avLst/>
           </a:prstGeom>
@@ -17305,6 +17619,10 @@
           </a:bodyPr>
           <a:lstStyle/>
           <a:p>
+            <a:pPr marL="342900" indent="-342900">
+              <a:buFont typeface="Wingdings" panose="05000000000000000000" pitchFamily="2" charset="2"/>
+              <a:buChar char="§"/>
+            </a:pPr>
             <a:endParaRPr lang="en-US" sz="2400" dirty="0">
               <a:solidFill>
                 <a:schemeClr val="tx1"/>
@@ -17313,8 +17631,8 @@
           </a:p>
           <a:p>
             <a:pPr marL="797971" lvl="1" indent="-342900">
-              <a:buFontTx/>
-              <a:buChar char="-"/>
+              <a:buFont typeface="Wingdings" panose="05000000000000000000" pitchFamily="2" charset="2"/>
+              <a:buChar char="§"/>
             </a:pPr>
             <a:r>
               <a:rPr lang="en-US" sz="2133" dirty="0">
@@ -17322,13 +17640,13 @@
                   <a:schemeClr val="tx1"/>
                 </a:solidFill>
               </a:rPr>
-              <a:t>Production Incidents have high impact on customers .</a:t>
+              <a:t>Production Incidents have high impact on customers</a:t>
             </a:r>
           </a:p>
           <a:p>
             <a:pPr marL="797971" lvl="1" indent="-342900">
-              <a:buFontTx/>
-              <a:buChar char="-"/>
+              <a:buFont typeface="Wingdings" panose="05000000000000000000" pitchFamily="2" charset="2"/>
+              <a:buChar char="§"/>
             </a:pPr>
             <a:r>
               <a:rPr lang="en-US" sz="2133" dirty="0">
@@ -17336,13 +17654,13 @@
                   <a:schemeClr val="tx1"/>
                 </a:solidFill>
               </a:rPr>
-              <a:t>Solving incidents is expensive considering effort and time.</a:t>
+              <a:t>Solving incidents is expensive considering effort and time</a:t>
             </a:r>
           </a:p>
           <a:p>
             <a:pPr marL="797971" lvl="1" indent="-342900">
-              <a:buFontTx/>
-              <a:buChar char="-"/>
+              <a:buFont typeface="Wingdings" panose="05000000000000000000" pitchFamily="2" charset="2"/>
+              <a:buChar char="§"/>
             </a:pPr>
             <a:r>
               <a:rPr lang="en-US" sz="2133" dirty="0">
@@ -17350,13 +17668,13 @@
                   <a:schemeClr val="tx1"/>
                 </a:solidFill>
               </a:rPr>
-              <a:t>Resources require domain knowledge across multiple teams to resolve incidents. </a:t>
+              <a:t>Resources require domain knowledge across multiple teams to resolve incidents </a:t>
             </a:r>
           </a:p>
           <a:p>
             <a:pPr marL="797971" lvl="1" indent="-342900">
-              <a:buFontTx/>
-              <a:buChar char="-"/>
+              <a:buFont typeface="Wingdings" panose="05000000000000000000" pitchFamily="2" charset="2"/>
+              <a:buChar char="§"/>
             </a:pPr>
             <a:endParaRPr lang="en-US" sz="2133" dirty="0">
               <a:solidFill>
@@ -17366,8 +17684,8 @@
           </a:p>
           <a:p>
             <a:pPr marL="797971" lvl="1" indent="-342900">
-              <a:buFontTx/>
-              <a:buChar char="-"/>
+              <a:buFont typeface="Wingdings" panose="05000000000000000000" pitchFamily="2" charset="2"/>
+              <a:buChar char="§"/>
             </a:pPr>
             <a:endParaRPr lang="en-US" sz="2133" dirty="0">
               <a:solidFill>
@@ -17377,8 +17695,8 @@
           </a:p>
           <a:p>
             <a:pPr marL="797971" lvl="1" indent="-342900">
-              <a:buFontTx/>
-              <a:buChar char="-"/>
+              <a:buFont typeface="Wingdings" panose="05000000000000000000" pitchFamily="2" charset="2"/>
+              <a:buChar char="§"/>
             </a:pPr>
             <a:endParaRPr lang="en-US" sz="2133" dirty="0">
               <a:solidFill>
@@ -17505,6 +17823,10 @@
           </p:nvPr>
         </p:nvSpPr>
         <p:spPr>
+          <a:xfrm>
+            <a:off x="365759" y="2601385"/>
+            <a:ext cx="10610849" cy="1401655"/>
+          </a:xfrm>
           <a:prstGeom prst="rect">
             <a:avLst/>
           </a:prstGeom>
@@ -17516,11 +17838,14 @@
           <a:lstStyle/>
           <a:p>
             <a:pPr lvl="1"/>
-            <a:endParaRPr lang="en-US" sz="2133" dirty="0">
-              <a:solidFill>
-                <a:schemeClr val="tx1"/>
-              </a:solidFill>
-            </a:endParaRPr>
+            <a:r>
+              <a:rPr lang="en-US" sz="2133" dirty="0">
+                <a:solidFill>
+                  <a:schemeClr val="bg1"/>
+                </a:solidFill>
+              </a:rPr>
+              <a:t>INCyclopedia</a:t>
+            </a:r>
           </a:p>
           <a:p>
             <a:pPr lvl="1"/>
@@ -17530,7 +17855,7 @@
                   <a:schemeClr val="tx1"/>
                 </a:solidFill>
               </a:rPr>
-              <a:t>One stop shop for resources to access past incidents and knowledge base across multiple teams in DCE based on incident/search criteria </a:t>
+              <a:t>One stop shop to access past incidents and related knowledge base across multiple teams in DCE based on incident/keyword search</a:t>
             </a:r>
           </a:p>
           <a:p>
@@ -17626,6 +17951,218 @@
       </p:grpSpPr>
       <p:sp>
         <p:nvSpPr>
+          <p:cNvPr id="3" name="Title 2"/>
+          <p:cNvSpPr>
+            <a:spLocks noGrp="1"/>
+          </p:cNvSpPr>
+          <p:nvPr>
+            <p:ph type="title"/>
+          </p:nvPr>
+        </p:nvSpPr>
+        <p:spPr>
+          <a:xfrm>
+            <a:off x="365759" y="362515"/>
+            <a:ext cx="9103361" cy="853440"/>
+          </a:xfrm>
+          <a:solidFill>
+            <a:schemeClr val="tx2"/>
+          </a:solidFill>
+        </p:spPr>
+        <p:txBody>
+          <a:bodyPr>
+            <a:normAutofit fontScale="90000"/>
+          </a:bodyPr>
+          <a:lstStyle/>
+          <a:p>
+            <a:r>
+              <a:rPr lang="en-US" sz="4000" dirty="0"/>
+              <a:t>Future Enhancements</a:t>
+            </a:r>
+            <a:br>
+              <a:rPr lang="en-US" sz="4000" dirty="0"/>
+            </a:br>
+            <a:endParaRPr lang="en-US" dirty="0">
+              <a:solidFill>
+                <a:schemeClr val="tx2">
+                  <a:lumMod val="75000"/>
+                </a:schemeClr>
+              </a:solidFill>
+            </a:endParaRPr>
+          </a:p>
+        </p:txBody>
+      </p:sp>
+      <p:sp>
+        <p:nvSpPr>
+          <p:cNvPr id="2" name="Content Placeholder 1"/>
+          <p:cNvSpPr>
+            <a:spLocks noGrp="1"/>
+          </p:cNvSpPr>
+          <p:nvPr>
+            <p:ph sz="quarter" idx="10"/>
+          </p:nvPr>
+        </p:nvSpPr>
+        <p:spPr>
+          <a:xfrm>
+            <a:off x="365759" y="2601385"/>
+            <a:ext cx="10610849" cy="1442295"/>
+          </a:xfrm>
+          <a:prstGeom prst="rect">
+            <a:avLst/>
+          </a:prstGeom>
+        </p:spPr>
+        <p:txBody>
+          <a:bodyPr>
+            <a:normAutofit/>
+          </a:bodyPr>
+          <a:lstStyle/>
+          <a:p>
+            <a:pPr marL="912271" lvl="1" indent="-457200">
+              <a:buFont typeface="Wingdings" panose="05000000000000000000" pitchFamily="2" charset="2"/>
+              <a:buChar char="§"/>
+            </a:pPr>
+            <a:r>
+              <a:rPr lang="en-US" sz="2800" dirty="0">
+                <a:solidFill>
+                  <a:schemeClr val="bg2"/>
+                </a:solidFill>
+                <a:latin typeface="Arial" panose="020B0604020202020204" pitchFamily="34" charset="0"/>
+                <a:cs typeface="Arial" panose="020B0604020202020204" pitchFamily="34" charset="0"/>
+              </a:rPr>
+              <a:t>Filter Incidents based on Date Range</a:t>
+            </a:r>
+          </a:p>
+          <a:p>
+            <a:pPr marL="912271" lvl="1" indent="-457200">
+              <a:buFont typeface="Wingdings" panose="05000000000000000000" pitchFamily="2" charset="2"/>
+              <a:buChar char="§"/>
+            </a:pPr>
+            <a:r>
+              <a:rPr lang="en-US" sz="2800" dirty="0">
+                <a:solidFill>
+                  <a:schemeClr val="bg2"/>
+                </a:solidFill>
+                <a:latin typeface="Arial" panose="020B0604020202020204" pitchFamily="34" charset="0"/>
+                <a:cs typeface="Arial" panose="020B0604020202020204" pitchFamily="34" charset="0"/>
+              </a:rPr>
+              <a:t>Add more meta Data for Incidents</a:t>
+            </a:r>
+          </a:p>
+          <a:p>
+            <a:pPr marL="912271" lvl="1" indent="-457200">
+              <a:buFont typeface="Wingdings" panose="05000000000000000000" pitchFamily="2" charset="2"/>
+              <a:buChar char="§"/>
+            </a:pPr>
+            <a:r>
+              <a:rPr lang="en-US" sz="2800" dirty="0">
+                <a:solidFill>
+                  <a:schemeClr val="bg2"/>
+                </a:solidFill>
+                <a:latin typeface="Arial" panose="020B0604020202020204" pitchFamily="34" charset="0"/>
+                <a:cs typeface="Arial" panose="020B0604020202020204" pitchFamily="34" charset="0"/>
+              </a:rPr>
+              <a:t>Integrate TFS, Gitlab</a:t>
+            </a:r>
+            <a:endParaRPr lang="en-US" sz="2800" dirty="0">
+              <a:solidFill>
+                <a:srgbClr val="007DB8"/>
+              </a:solidFill>
+              <a:latin typeface="Arial" panose="020B0604020202020204" pitchFamily="34" charset="0"/>
+              <a:cs typeface="Arial" panose="020B0604020202020204" pitchFamily="34" charset="0"/>
+            </a:endParaRPr>
+          </a:p>
+          <a:p>
+            <a:pPr marL="797971" lvl="1" indent="-342900">
+              <a:buFontTx/>
+              <a:buChar char="-"/>
+            </a:pPr>
+            <a:endParaRPr lang="en-US" sz="2133" dirty="0">
+              <a:solidFill>
+                <a:schemeClr val="tx1"/>
+              </a:solidFill>
+            </a:endParaRPr>
+          </a:p>
+          <a:p>
+            <a:pPr marL="797971" lvl="1" indent="-342900">
+              <a:buFontTx/>
+              <a:buChar char="-"/>
+            </a:pPr>
+            <a:endParaRPr lang="en-US" sz="2133" dirty="0">
+              <a:solidFill>
+                <a:schemeClr val="tx1"/>
+              </a:solidFill>
+            </a:endParaRPr>
+          </a:p>
+        </p:txBody>
+      </p:sp>
+      <p:pic>
+        <p:nvPicPr>
+          <p:cNvPr id="4" name="Picture 3" descr="A close up of a logo&#10;&#10;Description generated with very high confidence">
+            <a:extLst>
+              <a:ext uri="{FF2B5EF4-FFF2-40B4-BE49-F238E27FC236}">
+                <a16:creationId xmlns:a16="http://schemas.microsoft.com/office/drawing/2014/main" id="{B6CD0ADE-BB29-458E-AD3F-60AA8FDC300C}"/>
+              </a:ext>
+            </a:extLst>
+          </p:cNvPr>
+          <p:cNvPicPr/>
+          <p:nvPr/>
+        </p:nvPicPr>
+        <p:blipFill>
+          <a:blip r:embed="rId3" cstate="print">
+            <a:extLst>
+              <a:ext uri="{28A0092B-C50C-407E-A947-70E740481C1C}">
+                <a14:useLocalDpi xmlns:a14="http://schemas.microsoft.com/office/drawing/2010/main" val="0"/>
+              </a:ext>
+            </a:extLst>
+          </a:blip>
+          <a:stretch>
+            <a:fillRect/>
+          </a:stretch>
+        </p:blipFill>
+        <p:spPr>
+          <a:xfrm>
+            <a:off x="9469120" y="502497"/>
+            <a:ext cx="2146300" cy="789940"/>
+          </a:xfrm>
+          <a:prstGeom prst="rect">
+            <a:avLst/>
+          </a:prstGeom>
+        </p:spPr>
+      </p:pic>
+    </p:spTree>
+    <p:extLst>
+      <p:ext uri="{BB962C8B-B14F-4D97-AF65-F5344CB8AC3E}">
+        <p14:creationId xmlns:p14="http://schemas.microsoft.com/office/powerpoint/2010/main" val="3350793980"/>
+      </p:ext>
+    </p:extLst>
+  </p:cSld>
+  <p:clrMapOvr>
+    <a:masterClrMapping/>
+  </p:clrMapOvr>
+  <p:transition spd="med">
+    <p:wipe dir="r"/>
+  </p:transition>
+</p:sld>
+</file>
+
+<file path=ppt/slides/slide6.xml><?xml version="1.0" encoding="utf-8"?>
+<p:sld xmlns:a="http://schemas.openxmlformats.org/drawingml/2006/main" xmlns:r="http://schemas.openxmlformats.org/officeDocument/2006/relationships" xmlns:p="http://schemas.openxmlformats.org/presentationml/2006/main">
+  <p:cSld>
+    <p:spTree>
+      <p:nvGrpSpPr>
+        <p:cNvPr id="1" name=""/>
+        <p:cNvGrpSpPr/>
+        <p:nvPr/>
+      </p:nvGrpSpPr>
+      <p:grpSpPr>
+        <a:xfrm>
+          <a:off x="0" y="0"/>
+          <a:ext cx="0" cy="0"/>
+          <a:chOff x="0" y="0"/>
+          <a:chExt cx="0" cy="0"/>
+        </a:xfrm>
+      </p:grpSpPr>
+      <p:sp>
+        <p:nvSpPr>
           <p:cNvPr id="2" name="Title 1">
             <a:extLst>
               <a:ext uri="{FF2B5EF4-FFF2-40B4-BE49-F238E27FC236}">
@@ -17690,7 +18227,7 @@
         </p:blipFill>
         <p:spPr>
           <a:xfrm>
-            <a:off x="5171440" y="1579492"/>
+            <a:off x="5171440" y="1416932"/>
             <a:ext cx="914400" cy="914400"/>
           </a:xfrm>
         </p:spPr>
@@ -17717,7 +18254,7 @@
         </p:blipFill>
         <p:spPr>
           <a:xfrm>
-            <a:off x="3234690" y="4249721"/>
+            <a:off x="3237866" y="4474133"/>
             <a:ext cx="2480944" cy="897197"/>
           </a:xfrm>
           <a:prstGeom prst="rect">
@@ -17747,38 +18284,8 @@
         </p:blipFill>
         <p:spPr>
           <a:xfrm>
-            <a:off x="6266177" y="4427675"/>
+            <a:off x="6266177" y="4590235"/>
             <a:ext cx="2295525" cy="647700"/>
-          </a:xfrm>
-          <a:prstGeom prst="rect">
-            <a:avLst/>
-          </a:prstGeom>
-        </p:spPr>
-      </p:pic>
-      <p:pic>
-        <p:nvPicPr>
-          <p:cNvPr id="10" name="Picture 9">
-            <a:extLst>
-              <a:ext uri="{FF2B5EF4-FFF2-40B4-BE49-F238E27FC236}">
-                <a16:creationId xmlns:a16="http://schemas.microsoft.com/office/drawing/2014/main" id="{51E43C8B-4059-4BF5-A35B-A75BD41F2F72}"/>
-              </a:ext>
-            </a:extLst>
-          </p:cNvPr>
-          <p:cNvPicPr>
-            <a:picLocks noChangeAspect="1"/>
-          </p:cNvPicPr>
-          <p:nvPr/>
-        </p:nvPicPr>
-        <p:blipFill>
-          <a:blip r:embed="rId6"/>
-          <a:stretch>
-            <a:fillRect/>
-          </a:stretch>
-        </p:blipFill>
-        <p:spPr>
-          <a:xfrm>
-            <a:off x="4583429" y="3005137"/>
-            <a:ext cx="2609850" cy="847725"/>
           </a:xfrm>
           <a:prstGeom prst="rect">
             <a:avLst/>
@@ -17795,13 +18302,13 @@
             </a:extLst>
           </p:cNvPr>
           <p:cNvCxnSpPr>
-            <a:stCxn id="6" idx="2"/>
+            <a:cxnSpLocks/>
           </p:cNvCxnSpPr>
           <p:nvPr/>
         </p:nvCxnSpPr>
         <p:spPr>
           <a:xfrm>
-            <a:off x="5628640" y="2493892"/>
+            <a:off x="5628640" y="2371972"/>
             <a:ext cx="0" cy="511245"/>
           </a:xfrm>
           <a:prstGeom prst="straightConnector1">
@@ -17840,15 +18347,17 @@
               </a:ext>
             </a:extLst>
           </p:cNvPr>
-          <p:cNvCxnSpPr/>
+          <p:cNvCxnSpPr>
+            <a:cxnSpLocks/>
+          </p:cNvCxnSpPr>
           <p:nvPr/>
         </p:nvCxnSpPr>
         <p:spPr>
           <a:xfrm rot="5400000" flipH="1" flipV="1">
-            <a:off x="4739163" y="3990498"/>
-            <a:ext cx="569912" cy="294641"/>
-          </a:xfrm>
-          <a:prstGeom prst="bentConnector3">
+            <a:off x="3762631" y="3550148"/>
+            <a:ext cx="1072956" cy="714057"/>
+          </a:xfrm>
+          <a:prstGeom prst="bentConnector2">
             <a:avLst/>
           </a:prstGeom>
           <a:ln w="12700" cmpd="sng">
@@ -17883,15 +18392,17 @@
               </a:ext>
             </a:extLst>
           </p:cNvPr>
-          <p:cNvCxnSpPr/>
+          <p:cNvCxnSpPr>
+            <a:cxnSpLocks/>
+          </p:cNvCxnSpPr>
           <p:nvPr/>
         </p:nvCxnSpPr>
         <p:spPr>
           <a:xfrm rot="16200000" flipV="1">
-            <a:off x="6651149" y="3968272"/>
-            <a:ext cx="566101" cy="335281"/>
-          </a:xfrm>
-          <a:prstGeom prst="bentConnector3">
+            <a:off x="6883222" y="3632180"/>
+            <a:ext cx="1045248" cy="522283"/>
+          </a:xfrm>
+          <a:prstGeom prst="bentConnector2">
             <a:avLst/>
           </a:prstGeom>
           <a:ln w="12700" cmpd="sng">
@@ -17931,7 +18442,7 @@
         </p:nvSpPr>
         <p:spPr>
           <a:xfrm>
-            <a:off x="7264400" y="4015460"/>
+            <a:off x="7704929" y="3707683"/>
             <a:ext cx="885825" cy="307777"/>
           </a:xfrm>
           <a:prstGeom prst="rect">
@@ -17963,7 +18474,7 @@
                 </a:solidFill>
                 <a:latin typeface="+mn-lt"/>
               </a:rPr>
-              <a:t>Get</a:t>
+              <a:t>API</a:t>
             </a:r>
           </a:p>
         </p:txBody>
@@ -17982,7 +18493,7 @@
         </p:nvSpPr>
         <p:spPr>
           <a:xfrm>
-            <a:off x="4285615" y="4015460"/>
+            <a:off x="3416936" y="3775034"/>
             <a:ext cx="885825" cy="307777"/>
           </a:xfrm>
           <a:prstGeom prst="rect">
@@ -18014,7 +18525,7 @@
                 </a:solidFill>
                 <a:latin typeface="+mn-lt"/>
               </a:rPr>
-              <a:t>Get</a:t>
+              <a:t>API</a:t>
             </a:r>
           </a:p>
         </p:txBody>
@@ -18033,7 +18544,7 @@
         </p:nvSpPr>
         <p:spPr>
           <a:xfrm>
-            <a:off x="5628640" y="2570696"/>
+            <a:off x="5709920" y="2570696"/>
             <a:ext cx="1849120" cy="307777"/>
           </a:xfrm>
           <a:prstGeom prst="rect">
@@ -18254,6 +18765,70 @@
           </a:p>
         </p:txBody>
       </p:sp>
+      <p:pic>
+        <p:nvPicPr>
+          <p:cNvPr id="16" name="Picture 15" descr="A close up of a logo&#10;&#10;Description generated with very high confidence">
+            <a:extLst>
+              <a:ext uri="{FF2B5EF4-FFF2-40B4-BE49-F238E27FC236}">
+                <a16:creationId xmlns:a16="http://schemas.microsoft.com/office/drawing/2014/main" id="{A4E1EC4C-FA92-4A10-BA8C-327B382CB96A}"/>
+              </a:ext>
+            </a:extLst>
+          </p:cNvPr>
+          <p:cNvPicPr/>
+          <p:nvPr/>
+        </p:nvPicPr>
+        <p:blipFill>
+          <a:blip r:embed="rId6" cstate="print">
+            <a:extLst>
+              <a:ext uri="{28A0092B-C50C-407E-A947-70E740481C1C}">
+                <a14:useLocalDpi xmlns:a14="http://schemas.microsoft.com/office/drawing/2010/main" val="0"/>
+              </a:ext>
+            </a:extLst>
+          </a:blip>
+          <a:stretch>
+            <a:fillRect/>
+          </a:stretch>
+        </p:blipFill>
+        <p:spPr>
+          <a:xfrm>
+            <a:off x="9469120" y="502497"/>
+            <a:ext cx="2146300" cy="789940"/>
+          </a:xfrm>
+          <a:prstGeom prst="rect">
+            <a:avLst/>
+          </a:prstGeom>
+        </p:spPr>
+      </p:pic>
+      <p:pic>
+        <p:nvPicPr>
+          <p:cNvPr id="3" name="Picture 2">
+            <a:extLst>
+              <a:ext uri="{FF2B5EF4-FFF2-40B4-BE49-F238E27FC236}">
+                <a16:creationId xmlns:a16="http://schemas.microsoft.com/office/drawing/2014/main" id="{75AB9F54-9685-4FC9-BD40-4F5151D863D7}"/>
+              </a:ext>
+            </a:extLst>
+          </p:cNvPr>
+          <p:cNvPicPr>
+            <a:picLocks noChangeAspect="1"/>
+          </p:cNvPicPr>
+          <p:nvPr/>
+        </p:nvPicPr>
+        <p:blipFill>
+          <a:blip r:embed="rId7"/>
+          <a:stretch>
+            <a:fillRect/>
+          </a:stretch>
+        </p:blipFill>
+        <p:spPr>
+          <a:xfrm>
+            <a:off x="4757738" y="3019425"/>
+            <a:ext cx="2295526" cy="702545"/>
+          </a:xfrm>
+          <a:prstGeom prst="rect">
+            <a:avLst/>
+          </a:prstGeom>
+        </p:spPr>
+      </p:pic>
     </p:spTree>
     <p:extLst>
       <p:ext uri="{BB962C8B-B14F-4D97-AF65-F5344CB8AC3E}">
@@ -18270,7 +18845,7 @@
 </p:sld>
 </file>
 
-<file path=ppt/slides/slide6.xml><?xml version="1.0" encoding="utf-8"?>
+<file path=ppt/slides/slide7.xml><?xml version="1.0" encoding="utf-8"?>
 <p:sld xmlns:a="http://schemas.openxmlformats.org/drawingml/2006/main" xmlns:r="http://schemas.openxmlformats.org/officeDocument/2006/relationships" xmlns:p="http://schemas.openxmlformats.org/presentationml/2006/main">
   <p:cSld>
     <p:spTree>
@@ -18483,101 +19058,40 @@
           </a:prstGeom>
         </p:spPr>
       </p:pic>
+      <p:pic>
+        <p:nvPicPr>
+          <p:cNvPr id="2" name="Picture 1">
+            <a:extLst>
+              <a:ext uri="{FF2B5EF4-FFF2-40B4-BE49-F238E27FC236}">
+                <a16:creationId xmlns:a16="http://schemas.microsoft.com/office/drawing/2014/main" id="{BE3B9E4E-FD91-4750-8BB1-2C5BCF6ADC79}"/>
+              </a:ext>
+            </a:extLst>
+          </p:cNvPr>
+          <p:cNvPicPr>
+            <a:picLocks noChangeAspect="1"/>
+          </p:cNvPicPr>
+          <p:nvPr/>
+        </p:nvPicPr>
+        <p:blipFill>
+          <a:blip r:embed="rId4"/>
+          <a:stretch>
+            <a:fillRect/>
+          </a:stretch>
+        </p:blipFill>
+        <p:spPr>
+          <a:xfrm>
+            <a:off x="0" y="1068757"/>
+            <a:ext cx="12192000" cy="5789243"/>
+          </a:xfrm>
+          <a:prstGeom prst="rect">
+            <a:avLst/>
+          </a:prstGeom>
+        </p:spPr>
+      </p:pic>
     </p:spTree>
     <p:extLst>
       <p:ext uri="{BB962C8B-B14F-4D97-AF65-F5344CB8AC3E}">
         <p14:creationId xmlns:p14="http://schemas.microsoft.com/office/powerpoint/2010/main" val="1883230919"/>
-      </p:ext>
-    </p:extLst>
-  </p:cSld>
-  <p:clrMapOvr>
-    <a:masterClrMapping/>
-  </p:clrMapOvr>
-  <p:transition spd="med">
-    <p:wipe dir="r"/>
-  </p:transition>
-</p:sld>
-</file>
-
-<file path=ppt/slides/slide7.xml><?xml version="1.0" encoding="utf-8"?>
-<p:sld xmlns:a="http://schemas.openxmlformats.org/drawingml/2006/main" xmlns:r="http://schemas.openxmlformats.org/officeDocument/2006/relationships" xmlns:p="http://schemas.openxmlformats.org/presentationml/2006/main">
-  <p:cSld>
-    <p:spTree>
-      <p:nvGrpSpPr>
-        <p:cNvPr id="1" name=""/>
-        <p:cNvGrpSpPr/>
-        <p:nvPr/>
-      </p:nvGrpSpPr>
-      <p:grpSpPr>
-        <a:xfrm>
-          <a:off x="0" y="0"/>
-          <a:ext cx="0" cy="0"/>
-          <a:chOff x="0" y="0"/>
-          <a:chExt cx="0" cy="0"/>
-        </a:xfrm>
-      </p:grpSpPr>
-      <p:sp>
-        <p:nvSpPr>
-          <p:cNvPr id="4" name="Title 3"/>
-          <p:cNvSpPr>
-            <a:spLocks noGrp="1"/>
-          </p:cNvSpPr>
-          <p:nvPr>
-            <p:ph type="title"/>
-          </p:nvPr>
-        </p:nvSpPr>
-        <p:spPr/>
-        <p:txBody>
-          <a:bodyPr>
-            <a:normAutofit fontScale="90000"/>
-          </a:bodyPr>
-          <a:lstStyle/>
-          <a:p>
-            <a:r>
-              <a:rPr lang="en-US" dirty="0"/>
-              <a:t>Project Demo Recording</a:t>
-            </a:r>
-          </a:p>
-        </p:txBody>
-      </p:sp>
-      <p:pic>
-        <p:nvPicPr>
-          <p:cNvPr id="6" name="Picture 5" descr="A close up of a logo&#10;&#10;Description generated with very high confidence">
-            <a:extLst>
-              <a:ext uri="{FF2B5EF4-FFF2-40B4-BE49-F238E27FC236}">
-                <a16:creationId xmlns:a16="http://schemas.microsoft.com/office/drawing/2014/main" id="{7A8E4525-BB06-49F9-8B09-B763C7711E7C}"/>
-              </a:ext>
-            </a:extLst>
-          </p:cNvPr>
-          <p:cNvPicPr/>
-          <p:nvPr/>
-        </p:nvPicPr>
-        <p:blipFill>
-          <a:blip r:embed="rId2" cstate="print">
-            <a:extLst>
-              <a:ext uri="{28A0092B-C50C-407E-A947-70E740481C1C}">
-                <a14:useLocalDpi xmlns:a14="http://schemas.microsoft.com/office/drawing/2010/main" val="0"/>
-              </a:ext>
-            </a:extLst>
-          </a:blip>
-          <a:stretch>
-            <a:fillRect/>
-          </a:stretch>
-        </p:blipFill>
-        <p:spPr>
-          <a:xfrm>
-            <a:off x="9645650" y="443230"/>
-            <a:ext cx="2146300" cy="789940"/>
-          </a:xfrm>
-          <a:prstGeom prst="rect">
-            <a:avLst/>
-          </a:prstGeom>
-        </p:spPr>
-      </p:pic>
-    </p:spTree>
-    <p:extLst>
-      <p:ext uri="{BB962C8B-B14F-4D97-AF65-F5344CB8AC3E}">
-        <p14:creationId xmlns:p14="http://schemas.microsoft.com/office/powerpoint/2010/main" val="1480033845"/>
       </p:ext>
     </p:extLst>
   </p:cSld>
@@ -18620,7 +19134,7 @@
         <p:spPr>
           <a:xfrm>
             <a:off x="365759" y="362515"/>
-            <a:ext cx="9784920" cy="853440"/>
+            <a:ext cx="10607040" cy="670419"/>
           </a:xfrm>
           <a:solidFill>
             <a:schemeClr val="tx2"/>
@@ -18632,7 +19146,7 @@
           <a:p>
             <a:r>
               <a:rPr lang="en-US" dirty="0"/>
-              <a:t>Demo</a:t>
+              <a:t>Project Snapshot(s)</a:t>
             </a:r>
             <a:endParaRPr lang="en-US" dirty="0">
               <a:solidFill>
@@ -18644,119 +19158,19 @@
           </a:p>
         </p:txBody>
       </p:sp>
-      <p:sp>
-        <p:nvSpPr>
-          <p:cNvPr id="6" name="Rectangle 5">
-            <a:extLst>
-              <a:ext uri="{FF2B5EF4-FFF2-40B4-BE49-F238E27FC236}">
-                <a16:creationId xmlns:a16="http://schemas.microsoft.com/office/drawing/2014/main" id="{B523B8CA-4EF8-40EC-9F51-2F892D0F003A}"/>
-              </a:ext>
-            </a:extLst>
-          </p:cNvPr>
-          <p:cNvSpPr/>
-          <p:nvPr/>
-        </p:nvSpPr>
-        <p:spPr>
-          <a:xfrm>
-            <a:off x="365759" y="1356583"/>
-            <a:ext cx="5590424" cy="1292662"/>
-          </a:xfrm>
-          <a:prstGeom prst="rect">
-            <a:avLst/>
-          </a:prstGeom>
-        </p:spPr>
-        <p:txBody>
-          <a:bodyPr wrap="square">
-            <a:spAutoFit/>
-          </a:bodyPr>
-          <a:lstStyle/>
-          <a:p>
-            <a:pPr marL="285750" indent="-285750">
-              <a:spcBef>
-                <a:spcPts val="600"/>
-              </a:spcBef>
-              <a:buFont typeface="Arial" panose="020B0604020202020204" pitchFamily="34" charset="0"/>
-              <a:buChar char="•"/>
-            </a:pPr>
-            <a:r>
-              <a:rPr lang="en-US" dirty="0">
-                <a:solidFill>
-                  <a:srgbClr val="444444"/>
-                </a:solidFill>
-              </a:rPr>
-              <a:t>Every team must record a demo video</a:t>
-            </a:r>
-          </a:p>
-          <a:p>
-            <a:pPr lvl="1">
-              <a:spcBef>
-                <a:spcPts val="600"/>
-              </a:spcBef>
-            </a:pPr>
-            <a:r>
-              <a:rPr lang="en-US" sz="1500" dirty="0">
-                <a:solidFill>
-                  <a:srgbClr val="444444"/>
-                </a:solidFill>
-              </a:rPr>
-              <a:t>- 2-5 minutes max in length</a:t>
-            </a:r>
-          </a:p>
-          <a:p>
-            <a:pPr lvl="1">
-              <a:spcBef>
-                <a:spcPts val="600"/>
-              </a:spcBef>
-            </a:pPr>
-            <a:r>
-              <a:rPr lang="en-US" sz="1500" dirty="0">
-                <a:solidFill>
-                  <a:srgbClr val="444444"/>
-                </a:solidFill>
-              </a:rPr>
-              <a:t>- Demonstrate the functionality</a:t>
-            </a:r>
-          </a:p>
-          <a:p>
-            <a:pPr lvl="1">
-              <a:spcBef>
-                <a:spcPts val="600"/>
-              </a:spcBef>
-            </a:pPr>
-            <a:r>
-              <a:rPr lang="en-US" sz="1500" dirty="0">
-                <a:solidFill>
-                  <a:srgbClr val="444444"/>
-                </a:solidFill>
-              </a:rPr>
-              <a:t>- Feel free to be creative and add some fun</a:t>
-            </a:r>
-          </a:p>
-        </p:txBody>
-      </p:sp>
       <p:graphicFrame>
         <p:nvGraphicFramePr>
-          <p:cNvPr id="7" name="Table 6">
-            <a:extLst>
-              <a:ext uri="{FF2B5EF4-FFF2-40B4-BE49-F238E27FC236}">
-                <a16:creationId xmlns:a16="http://schemas.microsoft.com/office/drawing/2014/main" id="{ACDEAAD3-99DE-425B-8380-B4CBDD8EADAB}"/>
-              </a:ext>
-            </a:extLst>
-          </p:cNvPr>
+          <p:cNvPr id="5" name="Table 4"/>
           <p:cNvGraphicFramePr>
             <a:graphicFrameLocks noGrp="1"/>
           </p:cNvGraphicFramePr>
           <p:nvPr>
-            <p:extLst>
-              <p:ext uri="{D42A27DB-BD31-4B8C-83A1-F6EECF244321}">
-                <p14:modId xmlns:p14="http://schemas.microsoft.com/office/powerpoint/2010/main" val="2100000672"/>
-              </p:ext>
-            </p:extLst>
+            <p:extLst/>
           </p:nvPr>
         </p:nvGraphicFramePr>
         <p:xfrm>
-          <a:off x="365758" y="3157196"/>
-          <a:ext cx="9080245" cy="2018811"/>
+          <a:off x="365757" y="1683521"/>
+          <a:ext cx="10607041" cy="4325394"/>
         </p:xfrm>
         <a:graphic>
           <a:graphicData uri="http://schemas.openxmlformats.org/drawingml/2006/table">
@@ -18765,7 +19179,7 @@
                 <a:tableStyleId>{5FD0F851-EC5A-4D38-B0AD-8093EC10F338}</a:tableStyleId>
               </a:tblPr>
               <a:tblGrid>
-                <a:gridCol w="9080245">
+                <a:gridCol w="10607041">
                   <a:extLst>
                     <a:ext uri="{9D8B030D-6E8A-4147-A177-3AD203B41FA5}">
                       <a16:colId xmlns:a16="http://schemas.microsoft.com/office/drawing/2014/main" val="20000"/>
@@ -18773,7 +19187,7 @@
                   </a:extLst>
                 </a:gridCol>
               </a:tblGrid>
-              <a:tr h="2018811">
+              <a:tr h="4325394">
                 <a:tc>
                   <a:txBody>
                     <a:bodyPr/>
@@ -18797,7 +19211,7 @@
                         <a:defRPr/>
                       </a:pPr>
                       <a:r>
-                        <a:rPr kumimoji="0" lang="en-US" sz="1800" b="0" i="0" u="none" strike="noStrike" kern="1200" cap="none" spc="0" normalizeH="0" baseline="0" noProof="0" dirty="0">
+                        <a:rPr kumimoji="0" lang="en-US" sz="2400" b="0" i="0" u="none" strike="noStrike" kern="1200" cap="none" spc="0" normalizeH="0" baseline="0" noProof="0" dirty="0">
                           <a:ln>
                             <a:noFill/>
                           </a:ln>
@@ -18811,201 +19225,9 @@
                           <a:ea typeface="+mn-ea"/>
                           <a:cs typeface="+mn-cs"/>
                         </a:rPr>
-                        <a:t>Link to Skype Recording (recording must be stored on Hackathon </a:t>
+                        <a:t>Add screenshots (only if necessary)</a:t>
                       </a:r>
-                      <a:r>
-                        <a:rPr kumimoji="0" lang="en-US" sz="1800" b="0" i="0" u="none" strike="noStrike" kern="1200" cap="none" spc="0" normalizeH="0" baseline="0" noProof="0" dirty="0">
-                          <a:ln>
-                            <a:noFill/>
-                          </a:ln>
-                          <a:solidFill>
-                            <a:srgbClr val="444444"/>
-                          </a:solidFill>
-                          <a:effectLst/>
-                          <a:uLnTx/>
-                          <a:uFillTx/>
-                          <a:latin typeface="+mn-lt"/>
-                          <a:ea typeface="+mn-ea"/>
-                          <a:cs typeface="+mn-cs"/>
-                          <a:hlinkClick r:id="rId3"/>
-                        </a:rPr>
-                        <a:t>shared drive </a:t>
-                      </a:r>
-                      <a:r>
-                        <a:rPr kumimoji="0" lang="en-US" sz="1800" b="0" i="0" u="none" strike="noStrike" kern="1200" cap="none" spc="0" normalizeH="0" baseline="0" noProof="0" dirty="0">
-                          <a:ln>
-                            <a:noFill/>
-                          </a:ln>
-                          <a:solidFill>
-                            <a:srgbClr val="444444"/>
-                          </a:solidFill>
-                          <a:effectLst/>
-                          <a:uLnTx/>
-                          <a:uFillTx/>
-                          <a:latin typeface="+mn-lt"/>
-                          <a:ea typeface="+mn-ea"/>
-                          <a:cs typeface="+mn-cs"/>
-                        </a:rPr>
-                        <a:t>under your team registration entry)</a:t>
-                      </a:r>
-                    </a:p>
-                    <a:p>
-                      <a:pPr marL="0" marR="0" lvl="0" indent="0" algn="ctr" defTabSz="914400" rtl="0" eaLnBrk="1" fontAlgn="auto" latinLnBrk="0" hangingPunct="1">
-                        <a:lnSpc>
-                          <a:spcPct val="100000"/>
-                        </a:lnSpc>
-                        <a:spcBef>
-                          <a:spcPts val="0"/>
-                        </a:spcBef>
-                        <a:spcAft>
-                          <a:spcPts val="0"/>
-                        </a:spcAft>
-                        <a:buClrTx/>
-                        <a:buSzTx/>
-                        <a:buFontTx/>
-                        <a:buNone/>
-                        <a:tabLst/>
-                        <a:defRPr/>
-                      </a:pPr>
-                      <a:endParaRPr kumimoji="0" lang="en-US" sz="1800" b="0" i="0" u="none" strike="noStrike" kern="1200" cap="none" spc="0" normalizeH="0" baseline="0" noProof="0" dirty="0">
-                        <a:ln>
-                          <a:noFill/>
-                        </a:ln>
-                        <a:solidFill>
-                          <a:srgbClr val="444444"/>
-                        </a:solidFill>
-                        <a:effectLst/>
-                        <a:uLnTx/>
-                        <a:uFillTx/>
-                        <a:latin typeface="+mn-lt"/>
-                        <a:ea typeface="+mn-ea"/>
-                        <a:cs typeface="+mn-cs"/>
-                      </a:endParaRPr>
-                    </a:p>
-                    <a:p>
-                      <a:pPr marL="0" marR="0" lvl="0" indent="0" algn="ctr" defTabSz="914400" rtl="0" eaLnBrk="1" fontAlgn="auto" latinLnBrk="0" hangingPunct="1">
-                        <a:lnSpc>
-                          <a:spcPct val="100000"/>
-                        </a:lnSpc>
-                        <a:spcBef>
-                          <a:spcPts val="0"/>
-                        </a:spcBef>
-                        <a:spcAft>
-                          <a:spcPts val="0"/>
-                        </a:spcAft>
-                        <a:buClrTx/>
-                        <a:buSzTx/>
-                        <a:buFontTx/>
-                        <a:buNone/>
-                        <a:tabLst/>
-                        <a:defRPr/>
-                      </a:pPr>
-                      <a:r>
-                        <a:rPr kumimoji="0" lang="en-US" sz="2600" b="0" i="0" u="none" strike="noStrike" kern="1200" cap="none" spc="0" normalizeH="0" baseline="0" noProof="0" dirty="0">
-                          <a:ln>
-                            <a:noFill/>
-                          </a:ln>
-                          <a:solidFill>
-                            <a:srgbClr val="444444"/>
-                          </a:solidFill>
-                          <a:effectLst/>
-                          <a:uLnTx/>
-                          <a:uFillTx/>
-                          <a:latin typeface="+mn-lt"/>
-                          <a:ea typeface="+mn-ea"/>
-                          <a:cs typeface="+mn-cs"/>
-                        </a:rPr>
-                        <a:t>OR</a:t>
-                      </a:r>
-                    </a:p>
-                    <a:p>
-                      <a:pPr marL="0" marR="0" lvl="0" indent="0" algn="ctr" defTabSz="914400" rtl="0" eaLnBrk="1" fontAlgn="auto" latinLnBrk="0" hangingPunct="1">
-                        <a:lnSpc>
-                          <a:spcPct val="100000"/>
-                        </a:lnSpc>
-                        <a:spcBef>
-                          <a:spcPts val="0"/>
-                        </a:spcBef>
-                        <a:spcAft>
-                          <a:spcPts val="0"/>
-                        </a:spcAft>
-                        <a:buClrTx/>
-                        <a:buSzTx/>
-                        <a:buFontTx/>
-                        <a:buNone/>
-                        <a:tabLst/>
-                        <a:defRPr/>
-                      </a:pPr>
-                      <a:endParaRPr kumimoji="0" lang="en-US" sz="1800" b="0" i="0" u="none" strike="noStrike" kern="1200" cap="none" spc="0" normalizeH="0" baseline="0" noProof="0" dirty="0">
-                        <a:ln>
-                          <a:noFill/>
-                        </a:ln>
-                        <a:solidFill>
-                          <a:srgbClr val="444444"/>
-                        </a:solidFill>
-                        <a:effectLst/>
-                        <a:uLnTx/>
-                        <a:uFillTx/>
-                        <a:latin typeface="+mn-lt"/>
-                        <a:ea typeface="+mn-ea"/>
-                        <a:cs typeface="+mn-cs"/>
-                      </a:endParaRPr>
-                    </a:p>
-                    <a:p>
-                      <a:pPr marL="0" marR="0" lvl="0" indent="0" algn="ctr" defTabSz="914400" rtl="0" eaLnBrk="1" fontAlgn="auto" latinLnBrk="0" hangingPunct="1">
-                        <a:lnSpc>
-                          <a:spcPct val="100000"/>
-                        </a:lnSpc>
-                        <a:spcBef>
-                          <a:spcPts val="0"/>
-                        </a:spcBef>
-                        <a:spcAft>
-                          <a:spcPts val="0"/>
-                        </a:spcAft>
-                        <a:buClrTx/>
-                        <a:buSzTx/>
-                        <a:buFontTx/>
-                        <a:buNone/>
-                        <a:tabLst/>
-                        <a:defRPr/>
-                      </a:pPr>
-                      <a:r>
-                        <a:rPr kumimoji="0" lang="en-US" sz="1800" b="0" i="0" u="none" strike="noStrike" kern="1200" cap="none" spc="0" normalizeH="0" baseline="0" noProof="0" dirty="0">
-                          <a:ln>
-                            <a:noFill/>
-                          </a:ln>
-                          <a:solidFill>
-                            <a:srgbClr val="444444"/>
-                          </a:solidFill>
-                          <a:effectLst/>
-                          <a:uLnTx/>
-                          <a:uFillTx/>
-                          <a:latin typeface="+mn-lt"/>
-                          <a:ea typeface="+mn-ea"/>
-                          <a:cs typeface="+mn-cs"/>
-                        </a:rPr>
-                        <a:t>Paste Skype recording HERE</a:t>
-                      </a:r>
-                    </a:p>
-                    <a:p>
-                      <a:pPr marL="0" marR="0" lvl="0" indent="0" algn="ctr" defTabSz="914400" rtl="0" eaLnBrk="1" fontAlgn="auto" latinLnBrk="0" hangingPunct="1">
-                        <a:lnSpc>
-                          <a:spcPct val="100000"/>
-                        </a:lnSpc>
-                        <a:spcBef>
-                          <a:spcPts val="0"/>
-                        </a:spcBef>
-                        <a:spcAft>
-                          <a:spcPts val="0"/>
-                        </a:spcAft>
-                        <a:buClrTx/>
-                        <a:buSzTx/>
-                        <a:buFontTx/>
-                        <a:buNone/>
-                        <a:tabLst/>
-                        <a:defRPr/>
-                      </a:pPr>
-                      <a:endParaRPr lang="en-US" sz="900" b="0" dirty="0">
+                      <a:endParaRPr lang="en-US" sz="1200" b="0" dirty="0">
                         <a:solidFill>
                           <a:schemeClr val="tx1"/>
                         </a:solidFill>
@@ -19013,7 +19235,7 @@
                       </a:endParaRPr>
                     </a:p>
                   </a:txBody>
-                  <a:tcPr anchor="ctr">
+                  <a:tcPr marL="121920" marR="121920" marT="60960" marB="60960" anchor="ctr">
                     <a:lnL>
                       <a:noFill/>
                     </a:lnL>
@@ -19063,7 +19285,7 @@
       </p:graphicFrame>
       <p:pic>
         <p:nvPicPr>
-          <p:cNvPr id="9" name="Picture 8" descr="A close up of a logo&#10;&#10;Description generated with very high confidence">
+          <p:cNvPr id="7" name="Picture 6" descr="A close up of a logo&#10;&#10;Description generated with very high confidence">
             <a:extLst>
               <a:ext uri="{FF2B5EF4-FFF2-40B4-BE49-F238E27FC236}">
                 <a16:creationId xmlns:a16="http://schemas.microsoft.com/office/drawing/2014/main" id="{7A8E4525-BB06-49F9-8B09-B763C7711E7C}"/>
@@ -19074,7 +19296,7 @@
           <p:nvPr/>
         </p:nvPicPr>
         <p:blipFill>
-          <a:blip r:embed="rId4" cstate="print">
+          <a:blip r:embed="rId3" cstate="print">
             <a:extLst>
               <a:ext uri="{28A0092B-C50C-407E-A947-70E740481C1C}">
                 <a14:useLocalDpi xmlns:a14="http://schemas.microsoft.com/office/drawing/2010/main" val="0"/>
@@ -19087,8 +19309,38 @@
         </p:blipFill>
         <p:spPr>
           <a:xfrm>
-            <a:off x="9679941" y="221887"/>
+            <a:off x="9899648" y="59145"/>
             <a:ext cx="2146300" cy="789940"/>
+          </a:xfrm>
+          <a:prstGeom prst="rect">
+            <a:avLst/>
+          </a:prstGeom>
+        </p:spPr>
+      </p:pic>
+      <p:pic>
+        <p:nvPicPr>
+          <p:cNvPr id="4" name="Picture 3">
+            <a:extLst>
+              <a:ext uri="{FF2B5EF4-FFF2-40B4-BE49-F238E27FC236}">
+                <a16:creationId xmlns:a16="http://schemas.microsoft.com/office/drawing/2014/main" id="{FF384604-5FF9-4D18-B730-F05D10CF0032}"/>
+              </a:ext>
+            </a:extLst>
+          </p:cNvPr>
+          <p:cNvPicPr>
+            <a:picLocks noChangeAspect="1"/>
+          </p:cNvPicPr>
+          <p:nvPr/>
+        </p:nvPicPr>
+        <p:blipFill>
+          <a:blip r:embed="rId4"/>
+          <a:stretch>
+            <a:fillRect/>
+          </a:stretch>
+        </p:blipFill>
+        <p:spPr>
+          <a:xfrm>
+            <a:off x="0" y="1032933"/>
+            <a:ext cx="12192000" cy="5825067"/>
           </a:xfrm>
           <a:prstGeom prst="rect">
             <a:avLst/>
@@ -19098,7 +19350,7 @@
     </p:spTree>
     <p:extLst>
       <p:ext uri="{BB962C8B-B14F-4D97-AF65-F5344CB8AC3E}">
-        <p14:creationId xmlns:p14="http://schemas.microsoft.com/office/powerpoint/2010/main" val="1200662573"/>
+        <p14:creationId xmlns:p14="http://schemas.microsoft.com/office/powerpoint/2010/main" val="889884989"/>
       </p:ext>
     </p:extLst>
   </p:cSld>
@@ -19130,7 +19382,7 @@
       </p:grpSpPr>
       <p:sp>
         <p:nvSpPr>
-          <p:cNvPr id="3" name="Title 2"/>
+          <p:cNvPr id="4" name="Title 3"/>
           <p:cNvSpPr>
             <a:spLocks noGrp="1"/>
           </p:cNvSpPr>
@@ -19138,128 +19390,39 @@
             <p:ph type="title"/>
           </p:nvPr>
         </p:nvSpPr>
-        <p:spPr>
-          <a:xfrm>
-            <a:off x="271463" y="368778"/>
-            <a:ext cx="9784920" cy="853440"/>
-          </a:xfrm>
-          <a:solidFill>
-            <a:schemeClr val="tx2"/>
-          </a:solidFill>
-        </p:spPr>
+        <p:spPr/>
         <p:txBody>
-          <a:bodyPr/>
+          <a:bodyPr>
+            <a:normAutofit fontScale="90000"/>
+          </a:bodyPr>
           <a:lstStyle/>
           <a:p>
             <a:r>
+              <a:rPr lang="en-US" dirty="0">
+                <a:hlinkClick r:id="rId2">
+                  <a:extLst>
+                    <a:ext uri="{A12FA001-AC4F-418D-AE19-62706E023703}">
+                      <ahyp:hlinkClr xmlns:ahyp="http://schemas.microsoft.com/office/drawing/2018/hyperlinkcolor" val="tx"/>
+                    </a:ext>
+                  </a:extLst>
+                </a:hlinkClick>
+              </a:rPr>
+              <a:t>Project Demo Recording</a:t>
+            </a:r>
+            <a:br>
               <a:rPr lang="en-US" dirty="0"/>
-              <a:t>Submitting your work</a:t>
+            </a:br>
+            <a:r>
+              <a:rPr lang="en-US" sz="2700" dirty="0"/>
+              <a:t>(open the above link in Google chrome)</a:t>
             </a:r>
-            <a:endParaRPr lang="en-US" dirty="0">
-              <a:solidFill>
-                <a:schemeClr val="tx2">
-                  <a:lumMod val="75000"/>
-                </a:schemeClr>
-              </a:solidFill>
-            </a:endParaRPr>
-          </a:p>
-        </p:txBody>
-      </p:sp>
-      <p:sp>
-        <p:nvSpPr>
-          <p:cNvPr id="8" name="Content Placeholder 2">
-            <a:extLst>
-              <a:ext uri="{FF2B5EF4-FFF2-40B4-BE49-F238E27FC236}">
-                <a16:creationId xmlns:a16="http://schemas.microsoft.com/office/drawing/2014/main" id="{2D770F92-5D38-4C64-A71F-84EEA03ECA5F}"/>
-              </a:ext>
-            </a:extLst>
-          </p:cNvPr>
-          <p:cNvSpPr>
-            <a:spLocks noGrp="1"/>
-          </p:cNvSpPr>
-          <p:nvPr>
-            <p:ph sz="quarter" idx="10"/>
-          </p:nvPr>
-        </p:nvSpPr>
-        <p:spPr>
-          <a:xfrm>
-            <a:off x="271463" y="1277938"/>
-            <a:ext cx="8495032" cy="3201783"/>
-          </a:xfrm>
-        </p:spPr>
-        <p:txBody>
-          <a:bodyPr/>
-          <a:lstStyle/>
-          <a:p>
-            <a:r>
-              <a:rPr lang="en-US" sz="2000" dirty="0"/>
-              <a:t>Upload all material: demo video and presentation to the shared location under your team entry by end of hackathon in your region</a:t>
-            </a:r>
-          </a:p>
-          <a:p>
-            <a:r>
-              <a:rPr lang="en-US" sz="2000" dirty="0">
-                <a:solidFill>
-                  <a:schemeClr val="tx1"/>
-                </a:solidFill>
-              </a:rPr>
-              <a:t>Format: </a:t>
-            </a:r>
-          </a:p>
-          <a:p>
-            <a:pPr lvl="1"/>
-            <a:r>
-              <a:rPr lang="en-US" sz="1733" dirty="0">
-                <a:solidFill>
-                  <a:schemeClr val="tx1"/>
-                </a:solidFill>
-              </a:rPr>
-              <a:t>TeamName_ProjectName_LocationInitials_2019	</a:t>
-            </a:r>
-          </a:p>
-          <a:p>
-            <a:pPr marL="0" indent="0">
-              <a:buNone/>
-            </a:pPr>
-            <a:endParaRPr lang="en-US" sz="2000" dirty="0"/>
-          </a:p>
-          <a:p>
-            <a:pPr marL="0" indent="0">
-              <a:buNone/>
-            </a:pPr>
-            <a:r>
-              <a:rPr lang="en-US" sz="2000" u="sng" dirty="0">
-                <a:latin typeface="Consolas" panose="020B0609020204030204" pitchFamily="49" charset="0"/>
-              </a:rPr>
-              <a:t>https://dcs.one.dell.com/sites/GSEglobalsalesexperience/_layouts/15/start.aspx#/Shared%20Documents/Forms/AllItems.aspx?RootFolder=%2Fsites%2FGSEglobalsalesexperience%2FShared%20Documents%2FDce%20Quality%20Hackthon%202019%2FHackathon%202019&amp;FolderCTID=0x012000BDB36D40DA756B429434BF43B4D87ADA&amp;View=%7B47B010CF%2D4B06%2D4A51%2DB7BA%2DA39C60C22ADC%7D</a:t>
-            </a:r>
-          </a:p>
-          <a:p>
-            <a:pPr marL="0" indent="0">
-              <a:buNone/>
-            </a:pPr>
-            <a:endParaRPr lang="en-US" sz="2000" u="sng" dirty="0">
-              <a:solidFill>
-                <a:schemeClr val="tx1"/>
-              </a:solidFill>
-              <a:latin typeface="Consolas" panose="020B0609020204030204" pitchFamily="49" charset="0"/>
-            </a:endParaRPr>
-          </a:p>
-          <a:p>
-            <a:pPr marL="0" indent="0">
-              <a:buNone/>
-            </a:pPr>
-            <a:endParaRPr lang="en-US" sz="2000" dirty="0">
-              <a:solidFill>
-                <a:schemeClr val="tx1"/>
-              </a:solidFill>
-            </a:endParaRPr>
+            <a:endParaRPr lang="en-US" dirty="0"/>
           </a:p>
         </p:txBody>
       </p:sp>
       <p:pic>
         <p:nvPicPr>
-          <p:cNvPr id="7" name="Picture 6" descr="A close up of a logo&#10;&#10;Description generated with very high confidence">
+          <p:cNvPr id="6" name="Picture 5" descr="A close up of a logo&#10;&#10;Description generated with very high confidence">
             <a:extLst>
               <a:ext uri="{FF2B5EF4-FFF2-40B4-BE49-F238E27FC236}">
                 <a16:creationId xmlns:a16="http://schemas.microsoft.com/office/drawing/2014/main" id="{7A8E4525-BB06-49F9-8B09-B763C7711E7C}"/>
@@ -19283,7 +19446,7 @@
         </p:blipFill>
         <p:spPr>
           <a:xfrm>
-            <a:off x="9676130" y="121048"/>
+            <a:off x="9645650" y="443230"/>
             <a:ext cx="2146300" cy="789940"/>
           </a:xfrm>
           <a:prstGeom prst="rect">
@@ -19294,7 +19457,7 @@
     </p:spTree>
     <p:extLst>
       <p:ext uri="{BB962C8B-B14F-4D97-AF65-F5344CB8AC3E}">
-        <p14:creationId xmlns:p14="http://schemas.microsoft.com/office/powerpoint/2010/main" val="351431395"/>
+        <p14:creationId xmlns:p14="http://schemas.microsoft.com/office/powerpoint/2010/main" val="1480033845"/>
       </p:ext>
     </p:extLst>
   </p:cSld>
